--- a/lesson11.pptx
+++ b/lesson11.pptx
@@ -5,7 +5,7 @@
     <p:sldMasterId id="2147483648" r:id="rId1"/>
   </p:sldMasterIdLst>
   <p:notesMasterIdLst>
-    <p:notesMasterId r:id="rId19"/>
+    <p:notesMasterId r:id="rId21"/>
   </p:notesMasterIdLst>
   <p:sldIdLst>
     <p:sldId id="538" r:id="rId2"/>
@@ -21,10 +21,12 @@
     <p:sldId id="542" r:id="rId12"/>
     <p:sldId id="535" r:id="rId13"/>
     <p:sldId id="531" r:id="rId14"/>
-    <p:sldId id="543" r:id="rId15"/>
-    <p:sldId id="544" r:id="rId16"/>
-    <p:sldId id="545" r:id="rId17"/>
-    <p:sldId id="547" r:id="rId18"/>
+    <p:sldId id="548" r:id="rId15"/>
+    <p:sldId id="549" r:id="rId16"/>
+    <p:sldId id="543" r:id="rId17"/>
+    <p:sldId id="544" r:id="rId18"/>
+    <p:sldId id="545" r:id="rId19"/>
+    <p:sldId id="547" r:id="rId20"/>
   </p:sldIdLst>
   <p:sldSz cx="12192000" cy="6858000"/>
   <p:notesSz cx="6858000" cy="9144000"/>
@@ -140,6 +142,14 @@
     </p:ext>
   </p:extLst>
 </p:presentation>
+</file>
+
+<file path=ppt/revisionInfo.xml><?xml version="1.0" encoding="utf-8"?>
+<p1510:revInfo xmlns:a="http://schemas.openxmlformats.org/drawingml/2006/main" xmlns:r="http://schemas.openxmlformats.org/officeDocument/2006/relationships" xmlns:p1510="http://schemas.microsoft.com/office/powerpoint/2015/10/main">
+  <p1510:revLst>
+    <p1510:client id="{23B77E32-744C-4A59-8A1D-308E97BE42DF}" v="2" dt="2023-06-15T06:12:51.377"/>
+  </p1510:revLst>
+</p1510:revInfo>
 </file>
 
 <file path=ppt/changesInfos/changesInfo1.xml><?xml version="1.0" encoding="utf-8"?>
@@ -397,6 +407,45 @@
           <ac:spMkLst>
             <pc:docMk/>
             <pc:sldMk cId="430255524" sldId="544"/>
+            <ac:spMk id="3" creationId="{00000000-0000-0000-0000-000000000000}"/>
+          </ac:spMkLst>
+        </pc:spChg>
+      </pc:sldChg>
+    </pc:docChg>
+  </pc:docChgLst>
+  <pc:docChgLst>
+    <pc:chgData name="Anatoliy Kigel" userId="7432c6c4687b0a9c" providerId="LiveId" clId="{23B77E32-744C-4A59-8A1D-308E97BE42DF}"/>
+    <pc:docChg chg="addSld modSld sldOrd">
+      <pc:chgData name="Anatoliy Kigel" userId="7432c6c4687b0a9c" providerId="LiveId" clId="{23B77E32-744C-4A59-8A1D-308E97BE42DF}" dt="2023-06-15T06:12:52.065" v="33" actId="6549"/>
+      <pc:docMkLst>
+        <pc:docMk/>
+      </pc:docMkLst>
+      <pc:sldChg chg="modSp add mod ord">
+        <pc:chgData name="Anatoliy Kigel" userId="7432c6c4687b0a9c" providerId="LiveId" clId="{23B77E32-744C-4A59-8A1D-308E97BE42DF}" dt="2023-06-15T06:12:10.469" v="29" actId="20577"/>
+        <pc:sldMkLst>
+          <pc:docMk/>
+          <pc:sldMk cId="3341853635" sldId="548"/>
+        </pc:sldMkLst>
+        <pc:spChg chg="mod">
+          <ac:chgData name="Anatoliy Kigel" userId="7432c6c4687b0a9c" providerId="LiveId" clId="{23B77E32-744C-4A59-8A1D-308E97BE42DF}" dt="2023-06-15T06:12:10.469" v="29" actId="20577"/>
+          <ac:spMkLst>
+            <pc:docMk/>
+            <pc:sldMk cId="3341853635" sldId="548"/>
+            <ac:spMk id="5" creationId="{00000000-0000-0000-0000-000000000000}"/>
+          </ac:spMkLst>
+        </pc:spChg>
+      </pc:sldChg>
+      <pc:sldChg chg="modSp add mod">
+        <pc:chgData name="Anatoliy Kigel" userId="7432c6c4687b0a9c" providerId="LiveId" clId="{23B77E32-744C-4A59-8A1D-308E97BE42DF}" dt="2023-06-15T06:12:52.065" v="33" actId="6549"/>
+        <pc:sldMkLst>
+          <pc:docMk/>
+          <pc:sldMk cId="936054178" sldId="549"/>
+        </pc:sldMkLst>
+        <pc:spChg chg="mod">
+          <ac:chgData name="Anatoliy Kigel" userId="7432c6c4687b0a9c" providerId="LiveId" clId="{23B77E32-744C-4A59-8A1D-308E97BE42DF}" dt="2023-06-15T06:12:52.065" v="33" actId="6549"/>
+          <ac:spMkLst>
+            <pc:docMk/>
+            <pc:sldMk cId="936054178" sldId="549"/>
             <ac:spMk id="3" creationId="{00000000-0000-0000-0000-000000000000}"/>
           </ac:spMkLst>
         </pc:spChg>
@@ -1169,7 +1218,7 @@
             <a:fld id="{85522811-C5C6-42D2-A409-F8556720C93F}" type="datetimeFigureOut">
               <a:rPr lang="uk-UA" smtClean="0"/>
               <a:pPr/>
-              <a:t>14.06.2023</a:t>
+              <a:t>15.06.2023</a:t>
             </a:fld>
             <a:endParaRPr lang="uk-UA"/>
           </a:p>
@@ -1709,7 +1758,7 @@
             <a:fld id="{E6FC6B0D-6115-4D7C-8040-9C8E2349BB6E}" type="datetime1">
               <a:rPr lang="uk-UA" smtClean="0"/>
               <a:pPr/>
-              <a:t>14.06.2023</a:t>
+              <a:t>15.06.2023</a:t>
             </a:fld>
             <a:endParaRPr lang="uk-UA"/>
           </a:p>
@@ -1876,7 +1925,7 @@
             <a:fld id="{996367BA-0A39-4DE2-BFC3-D5290044365E}" type="datetime1">
               <a:rPr lang="uk-UA" smtClean="0"/>
               <a:pPr/>
-              <a:t>14.06.2023</a:t>
+              <a:t>15.06.2023</a:t>
             </a:fld>
             <a:endParaRPr lang="uk-UA"/>
           </a:p>
@@ -2053,7 +2102,7 @@
             <a:fld id="{1BD6A67F-6C29-47DC-AF8A-FDB3C787DF70}" type="datetime1">
               <a:rPr lang="uk-UA" smtClean="0"/>
               <a:pPr/>
-              <a:t>14.06.2023</a:t>
+              <a:t>15.06.2023</a:t>
             </a:fld>
             <a:endParaRPr lang="uk-UA"/>
           </a:p>
@@ -2220,7 +2269,7 @@
             <a:fld id="{1657D9C5-7FF1-434F-B56E-9BAD559744E9}" type="datetime1">
               <a:rPr lang="uk-UA" smtClean="0"/>
               <a:pPr/>
-              <a:t>14.06.2023</a:t>
+              <a:t>15.06.2023</a:t>
             </a:fld>
             <a:endParaRPr lang="uk-UA"/>
           </a:p>
@@ -2463,7 +2512,7 @@
             <a:fld id="{2CEB0FC9-DE63-476B-A1A9-BE934D9049F8}" type="datetime1">
               <a:rPr lang="uk-UA" smtClean="0"/>
               <a:pPr/>
-              <a:t>14.06.2023</a:t>
+              <a:t>15.06.2023</a:t>
             </a:fld>
             <a:endParaRPr lang="uk-UA"/>
           </a:p>
@@ -2748,7 +2797,7 @@
             <a:fld id="{F964460F-86E2-4DF6-9D0F-12F5005CF375}" type="datetime1">
               <a:rPr lang="uk-UA" smtClean="0"/>
               <a:pPr/>
-              <a:t>14.06.2023</a:t>
+              <a:t>15.06.2023</a:t>
             </a:fld>
             <a:endParaRPr lang="uk-UA"/>
           </a:p>
@@ -3167,7 +3216,7 @@
             <a:fld id="{C521715E-DDCD-4267-B0A5-2918B6F6768A}" type="datetime1">
               <a:rPr lang="uk-UA" smtClean="0"/>
               <a:pPr/>
-              <a:t>14.06.2023</a:t>
+              <a:t>15.06.2023</a:t>
             </a:fld>
             <a:endParaRPr lang="uk-UA"/>
           </a:p>
@@ -3282,7 +3331,7 @@
             <a:fld id="{9289842C-EB2D-4EBB-A272-2F6A49D9794D}" type="datetime1">
               <a:rPr lang="uk-UA" smtClean="0"/>
               <a:pPr/>
-              <a:t>14.06.2023</a:t>
+              <a:t>15.06.2023</a:t>
             </a:fld>
             <a:endParaRPr lang="uk-UA"/>
           </a:p>
@@ -3374,7 +3423,7 @@
             <a:fld id="{D036F091-B700-4B52-99AC-85D0FD94D904}" type="datetime1">
               <a:rPr lang="uk-UA" smtClean="0"/>
               <a:pPr/>
-              <a:t>14.06.2023</a:t>
+              <a:t>15.06.2023</a:t>
             </a:fld>
             <a:endParaRPr lang="uk-UA"/>
           </a:p>
@@ -3648,7 +3697,7 @@
             <a:fld id="{B35DFABA-3811-4634-B803-2EAC4CD0063B}" type="datetime1">
               <a:rPr lang="uk-UA" smtClean="0"/>
               <a:pPr/>
-              <a:t>14.06.2023</a:t>
+              <a:t>15.06.2023</a:t>
             </a:fld>
             <a:endParaRPr lang="uk-UA"/>
           </a:p>
@@ -3898,7 +3947,7 @@
             <a:fld id="{8A9EA25E-F88E-463A-A119-D1E55A881002}" type="datetime1">
               <a:rPr lang="uk-UA" smtClean="0"/>
               <a:pPr/>
-              <a:t>14.06.2023</a:t>
+              <a:t>15.06.2023</a:t>
             </a:fld>
             <a:endParaRPr lang="uk-UA"/>
           </a:p>
@@ -4108,7 +4157,7 @@
             <a:fld id="{E708ED03-0080-49A2-B709-7DA4ACB3A1C3}" type="datetime1">
               <a:rPr lang="uk-UA" smtClean="0"/>
               <a:pPr/>
-              <a:t>14.06.2023</a:t>
+              <a:t>15.06.2023</a:t>
             </a:fld>
             <a:endParaRPr lang="uk-UA"/>
           </a:p>
@@ -5593,7 +5642,9 @@
             <a:avLst/>
           </a:prstGeom>
           <a:solidFill>
-            <a:srgbClr val="002060"/>
+            <a:schemeClr val="tx2">
+              <a:lumMod val="75000"/>
+            </a:schemeClr>
           </a:solidFill>
         </p:spPr>
         <p:style>
@@ -5618,17 +5669,24 @@
           <a:p>
             <a:pPr algn="ctr"/>
             <a:r>
-              <a:rPr lang="ru-RU" sz="6000" b="1" dirty="0"/>
-              <a:t>На следующем занятии…</a:t>
-            </a:r>
-            <a:endParaRPr lang="uk-UA" sz="6000" b="1" dirty="0"/>
+              <a:rPr lang="en-US" sz="6000" b="1" dirty="0"/>
+              <a:t>5. </a:t>
+            </a:r>
+            <a:r>
+              <a:rPr lang="uk-UA" sz="6000" b="1" dirty="0" err="1"/>
+              <a:t>Немного</a:t>
+            </a:r>
+            <a:r>
+              <a:rPr lang="uk-UA" sz="6000" b="1" dirty="0"/>
+              <a:t> практики</a:t>
+            </a:r>
           </a:p>
         </p:txBody>
       </p:sp>
     </p:spTree>
     <p:extLst>
       <p:ext uri="{BB962C8B-B14F-4D97-AF65-F5344CB8AC3E}">
-        <p14:creationId xmlns:p14="http://schemas.microsoft.com/office/powerpoint/2010/main" val="433616710"/>
+        <p14:creationId xmlns:p14="http://schemas.microsoft.com/office/powerpoint/2010/main" val="3341853635"/>
       </p:ext>
     </p:extLst>
   </p:cSld>
@@ -5657,14 +5715,164 @@
       </p:grpSpPr>
       <p:sp>
         <p:nvSpPr>
-          <p:cNvPr id="3" name="TextBox 2"/>
+          <p:cNvPr id="15" name="Номер слайда 36"/>
+          <p:cNvSpPr txBox="1">
+            <a:spLocks/>
+          </p:cNvSpPr>
+          <p:nvPr/>
+        </p:nvSpPr>
+        <p:spPr>
+          <a:xfrm>
+            <a:off x="11280576" y="6131711"/>
+            <a:ext cx="648072" cy="432048"/>
+          </a:xfrm>
+          <a:prstGeom prst="roundRect">
+            <a:avLst/>
+          </a:prstGeom>
+          <a:ln w="25400" cap="flat" cmpd="sng" algn="ctr">
+            <a:solidFill>
+              <a:schemeClr val="tx2">
+                <a:lumMod val="60000"/>
+                <a:lumOff val="40000"/>
+              </a:schemeClr>
+            </a:solidFill>
+            <a:prstDash val="solid"/>
+          </a:ln>
+        </p:spPr>
+        <p:style>
+          <a:lnRef idx="2">
+            <a:schemeClr val="accent1"/>
+          </a:lnRef>
+          <a:fillRef idx="1">
+            <a:schemeClr val="lt1"/>
+          </a:fillRef>
+          <a:effectRef idx="0">
+            <a:schemeClr val="accent1"/>
+          </a:effectRef>
+          <a:fontRef idx="minor">
+            <a:schemeClr val="dk1"/>
+          </a:fontRef>
+        </p:style>
+        <p:txBody>
+          <a:bodyPr vert="horz" lIns="91440" tIns="45720" rIns="91440" bIns="45720" rtlCol="0" anchor="ctr"/>
+          <a:lstStyle/>
+          <a:p>
+            <a:pPr algn="ctr">
+              <a:defRPr/>
+            </a:pPr>
+            <a:fld id="{6389AA22-90B4-448C-8B6B-C699140D38B9}" type="slidenum">
+              <a:rPr lang="uk-UA" sz="2400" b="1">
+                <a:solidFill>
+                  <a:schemeClr val="bg1">
+                    <a:lumMod val="50000"/>
+                  </a:schemeClr>
+                </a:solidFill>
+              </a:rPr>
+              <a:pPr algn="ctr">
+                <a:defRPr/>
+              </a:pPr>
+              <a:t>15</a:t>
+            </a:fld>
+            <a:endParaRPr lang="uk-UA" sz="2400" b="1" dirty="0">
+              <a:solidFill>
+                <a:schemeClr val="bg1">
+                  <a:lumMod val="50000"/>
+                </a:schemeClr>
+              </a:solidFill>
+            </a:endParaRPr>
+          </a:p>
+        </p:txBody>
+      </p:sp>
+      <p:sp>
+        <p:nvSpPr>
+          <p:cNvPr id="5" name="Заголовок 4"/>
+          <p:cNvSpPr>
+            <a:spLocks noGrp="1"/>
+          </p:cNvSpPr>
+          <p:nvPr>
+            <p:ph type="title"/>
+          </p:nvPr>
+        </p:nvSpPr>
+        <p:spPr>
+          <a:xfrm>
+            <a:off x="0" y="197768"/>
+            <a:ext cx="12192000" cy="710952"/>
+          </a:xfrm>
+        </p:spPr>
+        <p:txBody>
+          <a:bodyPr>
+            <a:normAutofit/>
+          </a:bodyPr>
+          <a:lstStyle/>
+          <a:p>
+            <a:r>
+              <a:rPr lang="ru-RU" sz="3200" b="1" dirty="0"/>
+              <a:t>Информация по платёжной карте</a:t>
+            </a:r>
+          </a:p>
+        </p:txBody>
+      </p:sp>
+      <p:sp>
+        <p:nvSpPr>
+          <p:cNvPr id="43012" name="Rectangle 4"/>
+          <p:cNvSpPr>
+            <a:spLocks noChangeArrowheads="1"/>
+          </p:cNvSpPr>
+          <p:nvPr/>
+        </p:nvSpPr>
+        <p:spPr bwMode="auto">
+          <a:xfrm>
+            <a:off x="3287689" y="5358790"/>
+            <a:ext cx="65" cy="276999"/>
+          </a:xfrm>
+          <a:prstGeom prst="rect">
+            <a:avLst/>
+          </a:prstGeom>
+          <a:solidFill>
+            <a:srgbClr val="FFFFFF"/>
+          </a:solidFill>
+          <a:ln w="9525">
+            <a:noFill/>
+            <a:miter lim="800000"/>
+            <a:headEnd/>
+            <a:tailEnd/>
+          </a:ln>
+          <a:effectLst/>
+        </p:spPr>
+        <p:txBody>
+          <a:bodyPr vert="horz" wrap="none" lIns="0" tIns="0" rIns="0" bIns="0" numCol="1" anchor="ctr" anchorCtr="0" compatLnSpc="1">
+            <a:prstTxWarp prst="textNoShape">
+              <a:avLst/>
+            </a:prstTxWarp>
+            <a:spAutoFit/>
+          </a:bodyPr>
+          <a:lstStyle/>
+          <a:p>
+            <a:pPr fontAlgn="base">
+              <a:spcBef>
+                <a:spcPct val="0"/>
+              </a:spcBef>
+              <a:spcAft>
+                <a:spcPct val="0"/>
+              </a:spcAft>
+            </a:pPr>
+            <a:endParaRPr lang="ru-RU" dirty="0">
+              <a:latin typeface="Arial" pitchFamily="34" charset="0"/>
+              <a:cs typeface="Arial" pitchFamily="34" charset="0"/>
+            </a:endParaRPr>
+          </a:p>
+        </p:txBody>
+      </p:sp>
+      <p:sp>
+        <p:nvSpPr>
+          <p:cNvPr id="12" name="TextBox 11"/>
           <p:cNvSpPr txBox="1"/>
           <p:nvPr/>
         </p:nvSpPr>
         <p:spPr>
           <a:xfrm>
-            <a:off x="-1" y="2714144"/>
-            <a:ext cx="12192001" cy="1938992"/>
+            <a:off x="2171056" y="4929423"/>
+            <a:ext cx="7992888" cy="707886"/>
           </a:xfrm>
           <a:prstGeom prst="rect">
             <a:avLst/>
@@ -5679,74 +5887,136 @@
           <a:p>
             <a:pPr algn="ctr"/>
             <a:r>
-              <a:rPr lang="ru-RU" sz="4400" b="1" dirty="0">
-                <a:solidFill>
-                  <a:schemeClr val="accent1"/>
-                </a:solidFill>
-              </a:rPr>
-              <a:t>Концепция</a:t>
-            </a:r>
-            <a:r>
-              <a:rPr lang="ru-RU" sz="6000" b="1" dirty="0">
-                <a:solidFill>
-                  <a:srgbClr val="00B050"/>
-                </a:solidFill>
-              </a:rPr>
-              <a:t> </a:t>
-            </a:r>
-          </a:p>
-          <a:p>
-            <a:pPr algn="ctr"/>
-            <a:r>
-              <a:rPr lang="en-US" sz="6000" b="1" dirty="0">
-                <a:solidFill>
-                  <a:srgbClr val="00B050"/>
-                </a:solidFill>
-              </a:rPr>
-              <a:t>Single Page Application</a:t>
-            </a:r>
-            <a:endParaRPr lang="en-US" sz="6000" b="1" dirty="0">
-              <a:solidFill>
-                <a:srgbClr val="0070C0"/>
-              </a:solidFill>
-            </a:endParaRPr>
-          </a:p>
-        </p:txBody>
-      </p:sp>
-      <p:sp>
-        <p:nvSpPr>
-          <p:cNvPr id="5" name="TextBox 4"/>
-          <p:cNvSpPr txBox="1"/>
+              <a:rPr lang="ru-RU" sz="2000" dirty="0"/>
+              <a:t>Сервис позволяют получить информацию в формате </a:t>
+            </a:r>
+            <a:r>
+              <a:rPr lang="en-US" sz="2000" b="1" dirty="0"/>
+              <a:t>JSON</a:t>
+            </a:r>
+            <a:r>
+              <a:rPr lang="ru-RU" sz="2000" dirty="0"/>
+              <a:t>. Но необходимо зарегистрироваться и получить ключ</a:t>
+            </a:r>
+          </a:p>
+        </p:txBody>
+      </p:sp>
+      <p:sp>
+        <p:nvSpPr>
+          <p:cNvPr id="3" name="Прямоугольник 2"/>
+          <p:cNvSpPr/>
           <p:nvPr/>
         </p:nvSpPr>
         <p:spPr>
           <a:xfrm>
-            <a:off x="-1" y="836712"/>
-            <a:ext cx="12192001" cy="923330"/>
+            <a:off x="0" y="5649503"/>
+            <a:ext cx="12191999" cy="461665"/>
           </a:xfrm>
           <a:prstGeom prst="rect">
             <a:avLst/>
           </a:prstGeom>
-          <a:noFill/>
         </p:spPr>
         <p:txBody>
-          <a:bodyPr wrap="square" rtlCol="0">
+          <a:bodyPr wrap="square">
             <a:spAutoFit/>
           </a:bodyPr>
           <a:lstStyle/>
           <a:p>
             <a:pPr algn="ctr"/>
             <a:r>
-              <a:rPr lang="ru-RU" sz="5400" b="1" dirty="0"/>
-              <a:t>На следующем занятии…</a:t>
-            </a:r>
-          </a:p>
-        </p:txBody>
-      </p:sp>
+              <a:rPr lang="en-US" sz="2400" b="1" dirty="0">
+                <a:hlinkClick r:id="rId2"/>
+              </a:rPr>
+              <a:t>https://binlist.net</a:t>
+            </a:r>
+            <a:r>
+              <a:rPr lang="ru-RU" sz="2400" b="1" dirty="0"/>
+              <a:t> </a:t>
+            </a:r>
+            <a:r>
+              <a:rPr lang="en-US" sz="2400" b="1" dirty="0"/>
+              <a:t>| </a:t>
+            </a:r>
+            <a:r>
+              <a:rPr lang="en-US" sz="2400" b="1" dirty="0">
+                <a:hlinkClick r:id="rId3"/>
+              </a:rPr>
+              <a:t>https://lookup.binlist.net</a:t>
+            </a:r>
+            <a:r>
+              <a:rPr lang="en-US" sz="2400" b="1">
+                <a:hlinkClick r:id="rId3"/>
+              </a:rPr>
+              <a:t>/536354</a:t>
+            </a:r>
+            <a:endParaRPr lang="ru-RU" sz="2000" b="1" dirty="0"/>
+          </a:p>
+        </p:txBody>
+      </p:sp>
+      <p:sp>
+        <p:nvSpPr>
+          <p:cNvPr id="8" name="Прямоугольник 7"/>
+          <p:cNvSpPr/>
+          <p:nvPr/>
+        </p:nvSpPr>
+        <p:spPr>
+          <a:xfrm>
+            <a:off x="1" y="6197242"/>
+            <a:ext cx="12191999" cy="400110"/>
+          </a:xfrm>
+          <a:prstGeom prst="rect">
+            <a:avLst/>
+          </a:prstGeom>
+        </p:spPr>
+        <p:txBody>
+          <a:bodyPr wrap="square">
+            <a:spAutoFit/>
+          </a:bodyPr>
+          <a:lstStyle/>
+          <a:p>
+            <a:pPr algn="ctr"/>
+            <a:r>
+              <a:rPr lang="ru-RU" sz="2000" dirty="0"/>
+              <a:t>Альтернативный сервис: </a:t>
+            </a:r>
+            <a:r>
+              <a:rPr lang="en-US" sz="2000" b="1" dirty="0">
+                <a:hlinkClick r:id="rId4"/>
+              </a:rPr>
+              <a:t>https://www.bincodes.com/api-bin-checker/</a:t>
+            </a:r>
+            <a:endParaRPr lang="ru-RU" b="1" dirty="0"/>
+          </a:p>
+        </p:txBody>
+      </p:sp>
+      <p:pic>
+        <p:nvPicPr>
+          <p:cNvPr id="2" name="Рисунок 1"/>
+          <p:cNvPicPr>
+            <a:picLocks noChangeAspect="1"/>
+          </p:cNvPicPr>
+          <p:nvPr/>
+        </p:nvPicPr>
+        <p:blipFill>
+          <a:blip r:embed="rId5"/>
+          <a:stretch>
+            <a:fillRect/>
+          </a:stretch>
+        </p:blipFill>
+        <p:spPr>
+          <a:xfrm>
+            <a:off x="3251683" y="974251"/>
+            <a:ext cx="5688632" cy="3813823"/>
+          </a:xfrm>
+          <a:prstGeom prst="rect">
+            <a:avLst/>
+          </a:prstGeom>
+        </p:spPr>
+      </p:pic>
     </p:spTree>
     <p:extLst>
       <p:ext uri="{BB962C8B-B14F-4D97-AF65-F5344CB8AC3E}">
-        <p14:creationId xmlns:p14="http://schemas.microsoft.com/office/powerpoint/2010/main" val="430255524"/>
+        <p14:creationId xmlns:p14="http://schemas.microsoft.com/office/powerpoint/2010/main" val="936054178"/>
       </p:ext>
     </p:extLst>
   </p:cSld>
@@ -5813,6 +6083,201 @@
           <a:p>
             <a:pPr algn="ctr"/>
             <a:r>
+              <a:rPr lang="ru-RU" sz="6000" b="1" dirty="0"/>
+              <a:t>На следующем занятии…</a:t>
+            </a:r>
+            <a:endParaRPr lang="uk-UA" sz="6000" b="1" dirty="0"/>
+          </a:p>
+        </p:txBody>
+      </p:sp>
+    </p:spTree>
+    <p:extLst>
+      <p:ext uri="{BB962C8B-B14F-4D97-AF65-F5344CB8AC3E}">
+        <p14:creationId xmlns:p14="http://schemas.microsoft.com/office/powerpoint/2010/main" val="433616710"/>
+      </p:ext>
+    </p:extLst>
+  </p:cSld>
+  <p:clrMapOvr>
+    <a:masterClrMapping/>
+  </p:clrMapOvr>
+</p:sld>
+</file>
+
+<file path=ppt/slides/slide17.xml><?xml version="1.0" encoding="utf-8"?>
+<p:sld xmlns:a="http://schemas.openxmlformats.org/drawingml/2006/main" xmlns:r="http://schemas.openxmlformats.org/officeDocument/2006/relationships" xmlns:p="http://schemas.openxmlformats.org/presentationml/2006/main">
+  <p:cSld>
+    <p:spTree>
+      <p:nvGrpSpPr>
+        <p:cNvPr id="1" name=""/>
+        <p:cNvGrpSpPr/>
+        <p:nvPr/>
+      </p:nvGrpSpPr>
+      <p:grpSpPr>
+        <a:xfrm>
+          <a:off x="0" y="0"/>
+          <a:ext cx="0" cy="0"/>
+          <a:chOff x="0" y="0"/>
+          <a:chExt cx="0" cy="0"/>
+        </a:xfrm>
+      </p:grpSpPr>
+      <p:sp>
+        <p:nvSpPr>
+          <p:cNvPr id="3" name="TextBox 2"/>
+          <p:cNvSpPr txBox="1"/>
+          <p:nvPr/>
+        </p:nvSpPr>
+        <p:spPr>
+          <a:xfrm>
+            <a:off x="-1" y="2714144"/>
+            <a:ext cx="12192001" cy="1938992"/>
+          </a:xfrm>
+          <a:prstGeom prst="rect">
+            <a:avLst/>
+          </a:prstGeom>
+          <a:noFill/>
+        </p:spPr>
+        <p:txBody>
+          <a:bodyPr wrap="square" rtlCol="0">
+            <a:spAutoFit/>
+          </a:bodyPr>
+          <a:lstStyle/>
+          <a:p>
+            <a:pPr algn="ctr"/>
+            <a:r>
+              <a:rPr lang="ru-RU" sz="4400" b="1" dirty="0">
+                <a:solidFill>
+                  <a:schemeClr val="accent1"/>
+                </a:solidFill>
+              </a:rPr>
+              <a:t>Концепция</a:t>
+            </a:r>
+            <a:r>
+              <a:rPr lang="ru-RU" sz="6000" b="1" dirty="0">
+                <a:solidFill>
+                  <a:srgbClr val="00B050"/>
+                </a:solidFill>
+              </a:rPr>
+              <a:t> </a:t>
+            </a:r>
+          </a:p>
+          <a:p>
+            <a:pPr algn="ctr"/>
+            <a:r>
+              <a:rPr lang="en-US" sz="6000" b="1" dirty="0">
+                <a:solidFill>
+                  <a:srgbClr val="00B050"/>
+                </a:solidFill>
+              </a:rPr>
+              <a:t>Single Page Application</a:t>
+            </a:r>
+            <a:endParaRPr lang="en-US" sz="6000" b="1" dirty="0">
+              <a:solidFill>
+                <a:srgbClr val="0070C0"/>
+              </a:solidFill>
+            </a:endParaRPr>
+          </a:p>
+        </p:txBody>
+      </p:sp>
+      <p:sp>
+        <p:nvSpPr>
+          <p:cNvPr id="5" name="TextBox 4"/>
+          <p:cNvSpPr txBox="1"/>
+          <p:nvPr/>
+        </p:nvSpPr>
+        <p:spPr>
+          <a:xfrm>
+            <a:off x="-1" y="836712"/>
+            <a:ext cx="12192001" cy="923330"/>
+          </a:xfrm>
+          <a:prstGeom prst="rect">
+            <a:avLst/>
+          </a:prstGeom>
+          <a:noFill/>
+        </p:spPr>
+        <p:txBody>
+          <a:bodyPr wrap="square" rtlCol="0">
+            <a:spAutoFit/>
+          </a:bodyPr>
+          <a:lstStyle/>
+          <a:p>
+            <a:pPr algn="ctr"/>
+            <a:r>
+              <a:rPr lang="ru-RU" sz="5400" b="1" dirty="0"/>
+              <a:t>На следующем занятии…</a:t>
+            </a:r>
+          </a:p>
+        </p:txBody>
+      </p:sp>
+    </p:spTree>
+    <p:extLst>
+      <p:ext uri="{BB962C8B-B14F-4D97-AF65-F5344CB8AC3E}">
+        <p14:creationId xmlns:p14="http://schemas.microsoft.com/office/powerpoint/2010/main" val="430255524"/>
+      </p:ext>
+    </p:extLst>
+  </p:cSld>
+  <p:clrMapOvr>
+    <a:masterClrMapping/>
+  </p:clrMapOvr>
+</p:sld>
+</file>
+
+<file path=ppt/slides/slide18.xml><?xml version="1.0" encoding="utf-8"?>
+<p:sld xmlns:a="http://schemas.openxmlformats.org/drawingml/2006/main" xmlns:r="http://schemas.openxmlformats.org/officeDocument/2006/relationships" xmlns:p="http://schemas.openxmlformats.org/presentationml/2006/main">
+  <p:cSld>
+    <p:spTree>
+      <p:nvGrpSpPr>
+        <p:cNvPr id="1" name=""/>
+        <p:cNvGrpSpPr/>
+        <p:nvPr/>
+      </p:nvGrpSpPr>
+      <p:grpSpPr>
+        <a:xfrm>
+          <a:off x="0" y="0"/>
+          <a:ext cx="0" cy="0"/>
+          <a:chOff x="0" y="0"/>
+          <a:chExt cx="0" cy="0"/>
+        </a:xfrm>
+      </p:grpSpPr>
+      <p:sp>
+        <p:nvSpPr>
+          <p:cNvPr id="5" name="Прямоугольник 4"/>
+          <p:cNvSpPr/>
+          <p:nvPr/>
+        </p:nvSpPr>
+        <p:spPr>
+          <a:xfrm>
+            <a:off x="0" y="0"/>
+            <a:ext cx="12192000" cy="6858000"/>
+          </a:xfrm>
+          <a:prstGeom prst="rect">
+            <a:avLst/>
+          </a:prstGeom>
+          <a:solidFill>
+            <a:srgbClr val="002060"/>
+          </a:solidFill>
+        </p:spPr>
+        <p:style>
+          <a:lnRef idx="2">
+            <a:schemeClr val="accent1">
+              <a:shade val="50000"/>
+            </a:schemeClr>
+          </a:lnRef>
+          <a:fillRef idx="1">
+            <a:schemeClr val="accent1"/>
+          </a:fillRef>
+          <a:effectRef idx="0">
+            <a:schemeClr val="accent1"/>
+          </a:effectRef>
+          <a:fontRef idx="minor">
+            <a:schemeClr val="lt1"/>
+          </a:fontRef>
+        </p:style>
+        <p:txBody>
+          <a:bodyPr rtlCol="0" anchor="ctr"/>
+          <a:lstStyle/>
+          <a:p>
+            <a:pPr algn="ctr"/>
+            <a:r>
               <a:rPr lang="ru-RU" sz="6000" b="1" dirty="0">
                 <a:solidFill>
                   <a:srgbClr val="FFC000"/>
@@ -5844,7 +6309,7 @@
 </p:sld>
 </file>
 
-<file path=ppt/slides/slide17.xml><?xml version="1.0" encoding="utf-8"?>
+<file path=ppt/slides/slide19.xml><?xml version="1.0" encoding="utf-8"?>
 <p:sld xmlns:a="http://schemas.openxmlformats.org/drawingml/2006/main" xmlns:r="http://schemas.openxmlformats.org/officeDocument/2006/relationships" xmlns:p="http://schemas.openxmlformats.org/presentationml/2006/main">
   <p:cSld>
     <p:spTree>
@@ -5919,7 +6384,7 @@
               <a:pPr algn="ctr">
                 <a:defRPr/>
               </a:pPr>
-              <a:t>17</a:t>
+              <a:t>19</a:t>
             </a:fld>
             <a:endParaRPr lang="uk-UA" sz="2400" b="1" dirty="0">
               <a:solidFill>

--- a/lesson11.pptx
+++ b/lesson11.pptx
@@ -21,7 +21,7 @@
     <p:sldId id="542" r:id="rId12"/>
     <p:sldId id="535" r:id="rId13"/>
     <p:sldId id="531" r:id="rId14"/>
-    <p:sldId id="548" r:id="rId15"/>
+    <p:sldId id="550" r:id="rId15"/>
     <p:sldId id="549" r:id="rId16"/>
     <p:sldId id="543" r:id="rId17"/>
     <p:sldId id="544" r:id="rId18"/>
@@ -147,7 +147,7 @@
 <file path=ppt/revisionInfo.xml><?xml version="1.0" encoding="utf-8"?>
 <p1510:revInfo xmlns:a="http://schemas.openxmlformats.org/drawingml/2006/main" xmlns:r="http://schemas.openxmlformats.org/officeDocument/2006/relationships" xmlns:p1510="http://schemas.microsoft.com/office/powerpoint/2015/10/main">
   <p1510:revLst>
-    <p1510:client id="{23B77E32-744C-4A59-8A1D-308E97BE42DF}" v="2" dt="2023-06-15T06:12:51.377"/>
+    <p1510:client id="{23B77E32-744C-4A59-8A1D-308E97BE42DF}" v="3" dt="2023-06-15T10:48:33.261"/>
   </p1510:revLst>
 </p1510:revInfo>
 </file>
@@ -415,13 +415,13 @@
   </pc:docChgLst>
   <pc:docChgLst>
     <pc:chgData name="Anatoliy Kigel" userId="7432c6c4687b0a9c" providerId="LiveId" clId="{23B77E32-744C-4A59-8A1D-308E97BE42DF}"/>
-    <pc:docChg chg="addSld modSld sldOrd">
-      <pc:chgData name="Anatoliy Kigel" userId="7432c6c4687b0a9c" providerId="LiveId" clId="{23B77E32-744C-4A59-8A1D-308E97BE42DF}" dt="2023-06-15T06:12:52.065" v="33" actId="6549"/>
+    <pc:docChg chg="addSld delSld modSld sldOrd">
+      <pc:chgData name="Anatoliy Kigel" userId="7432c6c4687b0a9c" providerId="LiveId" clId="{23B77E32-744C-4A59-8A1D-308E97BE42DF}" dt="2023-06-15T10:48:41.651" v="42" actId="47"/>
       <pc:docMkLst>
         <pc:docMk/>
       </pc:docMkLst>
-      <pc:sldChg chg="modSp add mod ord">
-        <pc:chgData name="Anatoliy Kigel" userId="7432c6c4687b0a9c" providerId="LiveId" clId="{23B77E32-744C-4A59-8A1D-308E97BE42DF}" dt="2023-06-15T06:12:10.469" v="29" actId="20577"/>
+      <pc:sldChg chg="modSp add del mod ord">
+        <pc:chgData name="Anatoliy Kigel" userId="7432c6c4687b0a9c" providerId="LiveId" clId="{23B77E32-744C-4A59-8A1D-308E97BE42DF}" dt="2023-06-15T10:48:41.651" v="42" actId="47"/>
         <pc:sldMkLst>
           <pc:docMk/>
           <pc:sldMk cId="3341853635" sldId="548"/>
@@ -447,6 +447,21 @@
             <pc:docMk/>
             <pc:sldMk cId="936054178" sldId="549"/>
             <ac:spMk id="3" creationId="{00000000-0000-0000-0000-000000000000}"/>
+          </ac:spMkLst>
+        </pc:spChg>
+      </pc:sldChg>
+      <pc:sldChg chg="modSp add mod ord">
+        <pc:chgData name="Anatoliy Kigel" userId="7432c6c4687b0a9c" providerId="LiveId" clId="{23B77E32-744C-4A59-8A1D-308E97BE42DF}" dt="2023-06-15T10:48:40.542" v="41" actId="20577"/>
+        <pc:sldMkLst>
+          <pc:docMk/>
+          <pc:sldMk cId="1216040618" sldId="550"/>
+        </pc:sldMkLst>
+        <pc:spChg chg="mod">
+          <ac:chgData name="Anatoliy Kigel" userId="7432c6c4687b0a9c" providerId="LiveId" clId="{23B77E32-744C-4A59-8A1D-308E97BE42DF}" dt="2023-06-15T10:48:40.542" v="41" actId="20577"/>
+          <ac:spMkLst>
+            <pc:docMk/>
+            <pc:sldMk cId="1216040618" sldId="550"/>
+            <ac:spMk id="5" creationId="{00000000-0000-0000-0000-000000000000}"/>
           </ac:spMkLst>
         </pc:spChg>
       </pc:sldChg>
@@ -5673,20 +5688,21 @@
               <a:t>5. </a:t>
             </a:r>
             <a:r>
-              <a:rPr lang="uk-UA" sz="6000" b="1" dirty="0" err="1"/>
-              <a:t>Немного</a:t>
-            </a:r>
-            <a:r>
-              <a:rPr lang="uk-UA" sz="6000" b="1" dirty="0"/>
-              <a:t> практики</a:t>
-            </a:r>
+              <a:rPr lang="ru-RU" sz="6000" b="1" dirty="0"/>
+              <a:t>Немного практики </a:t>
+            </a:r>
+            <a:r>
+              <a:rPr lang="en-US" sz="6000" b="1" dirty="0"/>
+              <a:t>#2</a:t>
+            </a:r>
+            <a:endParaRPr lang="uk-UA" sz="6000" b="1" dirty="0"/>
           </a:p>
         </p:txBody>
       </p:sp>
     </p:spTree>
     <p:extLst>
       <p:ext uri="{BB962C8B-B14F-4D97-AF65-F5344CB8AC3E}">
-        <p14:creationId xmlns:p14="http://schemas.microsoft.com/office/powerpoint/2010/main" val="3341853635"/>
+        <p14:creationId xmlns:p14="http://schemas.microsoft.com/office/powerpoint/2010/main" val="1216040618"/>
       </p:ext>
     </p:extLst>
   </p:cSld>
